--- a/Slides/20486Core_03.pptx
+++ b/Slides/20486Core_03.pptx
@@ -50,45 +50,45 @@
   <p:notesSz cx="6858000" cy="9144000"/>
   <p:embeddedFontLst>
     <p:embeddedFont>
+      <p:font typeface="Consolas" panose="020B0609020204030204" pitchFamily="49" charset="0"/>
+      <p:regular r:id="rId40"/>
+      <p:bold r:id="rId41"/>
+      <p:italic r:id="rId42"/>
+      <p:boldItalic r:id="rId43"/>
+    </p:embeddedFont>
+    <p:embeddedFont>
+      <p:font typeface="Verdana" panose="020B0604030504040204" pitchFamily="34" charset="0"/>
+      <p:regular r:id="rId44"/>
+      <p:bold r:id="rId45"/>
+      <p:italic r:id="rId46"/>
+      <p:boldItalic r:id="rId47"/>
+    </p:embeddedFont>
+    <p:embeddedFont>
+      <p:font typeface="Segoe UI Light" panose="020B0502040204020203" pitchFamily="34" charset="0"/>
+      <p:regular r:id="rId48"/>
+      <p:italic r:id="rId49"/>
+    </p:embeddedFont>
+    <p:embeddedFont>
       <p:font typeface="Lucida Sans Unicode" panose="020B0602030504020204" pitchFamily="34" charset="0"/>
-      <p:regular r:id="rId40"/>
+      <p:regular r:id="rId50"/>
     </p:embeddedFont>
     <p:embeddedFont>
       <p:font typeface="Segoe UI" panose="020B0502040204020203" pitchFamily="34" charset="0"/>
-      <p:regular r:id="rId41"/>
-      <p:bold r:id="rId42"/>
-      <p:italic r:id="rId43"/>
-      <p:boldItalic r:id="rId44"/>
+      <p:regular r:id="rId51"/>
+      <p:bold r:id="rId52"/>
+      <p:italic r:id="rId53"/>
+      <p:boldItalic r:id="rId54"/>
     </p:embeddedFont>
     <p:embeddedFont>
       <p:font typeface="Calibri" panose="020F0502020204030204" pitchFamily="34" charset="0"/>
-      <p:regular r:id="rId45"/>
-      <p:bold r:id="rId46"/>
-      <p:italic r:id="rId47"/>
-      <p:boldItalic r:id="rId48"/>
+      <p:regular r:id="rId55"/>
+      <p:bold r:id="rId56"/>
+      <p:italic r:id="rId57"/>
+      <p:boldItalic r:id="rId58"/>
     </p:embeddedFont>
     <p:embeddedFont>
       <p:font typeface="Arial Unicode MS" panose="020B0604020202020204" charset="-128"/>
-      <p:regular r:id="rId49"/>
-    </p:embeddedFont>
-    <p:embeddedFont>
-      <p:font typeface="Verdana" panose="020B0604030504040204" pitchFamily="34" charset="0"/>
-      <p:regular r:id="rId50"/>
-      <p:bold r:id="rId51"/>
-      <p:italic r:id="rId52"/>
-      <p:boldItalic r:id="rId53"/>
-    </p:embeddedFont>
-    <p:embeddedFont>
-      <p:font typeface="Consolas" panose="020B0609020204030204" pitchFamily="49" charset="0"/>
-      <p:regular r:id="rId54"/>
-      <p:bold r:id="rId55"/>
-      <p:italic r:id="rId56"/>
-      <p:boldItalic r:id="rId57"/>
-    </p:embeddedFont>
-    <p:embeddedFont>
-      <p:font typeface="Segoe UI Light" panose="020B0502040204020203" pitchFamily="34" charset="0"/>
-      <p:regular r:id="rId58"/>
-      <p:italic r:id="rId59"/>
+      <p:regular r:id="rId59"/>
     </p:embeddedFont>
   </p:embeddedFontLst>
   <p:custDataLst>
@@ -305,7 +305,7 @@
             <a:fld id="{977497D8-0C75-44DD-9C18-01EF598DD77C}" type="datetimeFigureOut">
               <a:rPr lang="en-US" smtClean="0"/>
               <a:pPr/>
-              <a:t>11/8/2016</a:t>
+              <a:t>12/20/2016</a:t>
             </a:fld>
             <a:endParaRPr lang="en-US"/>
           </a:p>
@@ -1373,29 +1373,7 @@
                 <a:ea typeface="+mn-ea"/>
                 <a:cs typeface="+mn-cs"/>
               </a:rPr>
-              <a:t>The code on this additional slide shows how to </a:t>
-            </a:r>
-            <a:r>
-              <a:rPr lang="en-US" sz="1200" kern="1200" dirty="0" smtClean="0">
-                <a:solidFill>
-                  <a:schemeClr val="tx1"/>
-                </a:solidFill>
-                <a:latin typeface="+mn-lt"/>
-                <a:ea typeface="+mn-ea"/>
-                <a:cs typeface="+mn-cs"/>
-              </a:rPr>
-              <a:t>create </a:t>
-            </a:r>
-            <a:r>
-              <a:rPr lang="en-US" sz="1200" kern="1200" dirty="0" smtClean="0">
-                <a:solidFill>
-                  <a:schemeClr val="tx1"/>
-                </a:solidFill>
-                <a:latin typeface="+mn-lt"/>
-                <a:ea typeface="+mn-ea"/>
-                <a:cs typeface="+mn-cs"/>
-              </a:rPr>
-              <a:t>a custom model binder.</a:t>
+              <a:t>The code on this additional slide shows how to create a custom model binder.</a:t>
             </a:r>
             <a:endParaRPr lang="en-US" sz="1000" dirty="0">
               <a:latin typeface="Arial"/>
@@ -14183,24 +14161,20 @@
             <a:spLocks noGrp="1"/>
           </p:cNvSpPr>
           <p:nvPr>
-            <p:ph type="ctrTitle" sz="quarter"/>
+            <p:ph type="title"/>
           </p:nvPr>
         </p:nvSpPr>
-        <p:spPr>
-          <a:xfrm>
-            <a:off x="3106782" y="3169492"/>
-            <a:ext cx="5732417" cy="340093"/>
-          </a:xfrm>
-        </p:spPr>
+        <p:spPr/>
         <p:txBody>
           <a:bodyPr/>
           <a:lstStyle/>
           <a:p>
-            <a:r>
-              <a:rPr lang="en-US" sz="2600" smtClean="0"/>
+            <a:pPr algn="ctr"/>
+            <a:r>
+              <a:rPr lang="en-US" sz="2600" dirty="0" smtClean="0"/>
               <a:t>Module03</a:t>
             </a:r>
-            <a:endParaRPr lang="en-US" sz="2600"/>
+            <a:endParaRPr lang="en-US" sz="2600" dirty="0"/>
           </a:p>
         </p:txBody>
       </p:sp>
@@ -14211,28 +14185,46 @@
             <a:spLocks noGrp="1"/>
           </p:cNvSpPr>
           <p:nvPr>
-            <p:ph type="subTitle" sz="quarter" idx="1"/>
+            <p:ph idx="1"/>
           </p:nvPr>
         </p:nvSpPr>
         <p:spPr/>
         <p:txBody>
-          <a:bodyPr/>
+          <a:bodyPr anchor="ctr"/>
           <a:lstStyle/>
           <a:p>
-            <a:r>
-              <a:rPr lang="en-US" dirty="0" smtClean="0"/>
-              <a:t>Developing ASP.NET MVC </a:t>
-            </a:r>
-            <a:r>
-              <a:rPr lang="en-US" dirty="0" smtClean="0"/>
-              <a:t>Core </a:t>
-            </a:r>
-            <a:r>
-              <a:rPr lang="en-US" dirty="0" smtClean="0"/>
-              <a:t>Models
-</a:t>
-            </a:r>
-            <a:endParaRPr lang="en-US" dirty="0"/>
+            <a:pPr marL="0" indent="0" algn="ctr">
+              <a:buNone/>
+            </a:pPr>
+            <a:r>
+              <a:rPr lang="en-US" sz="4400" dirty="0" smtClean="0"/>
+              <a:t>Developing </a:t>
+            </a:r>
+            <a:endParaRPr lang="en-US" sz="4400" dirty="0" smtClean="0"/>
+          </a:p>
+          <a:p>
+            <a:pPr marL="0" indent="0" algn="ctr">
+              <a:buNone/>
+            </a:pPr>
+            <a:r>
+              <a:rPr lang="en-US" sz="4400" dirty="0" smtClean="0"/>
+              <a:t>ASP.NET </a:t>
+            </a:r>
+            <a:r>
+              <a:rPr lang="en-US" sz="4400" dirty="0" smtClean="0"/>
+              <a:t>MVC Core </a:t>
+            </a:r>
+            <a:endParaRPr lang="en-US" sz="4400" dirty="0" smtClean="0"/>
+          </a:p>
+          <a:p>
+            <a:pPr marL="0" indent="0" algn="ctr">
+              <a:buNone/>
+            </a:pPr>
+            <a:r>
+              <a:rPr lang="en-US" sz="4400" dirty="0" smtClean="0"/>
+              <a:t>Models</a:t>
+            </a:r>
+            <a:endParaRPr lang="en-US" sz="4400" dirty="0"/>
           </a:p>
         </p:txBody>
       </p:sp>
@@ -14283,11 +14275,7 @@
           <a:p>
             <a:r>
               <a:rPr lang="en-US" dirty="0" smtClean="0"/>
-              <a:t>A Custom Validation Data </a:t>
-            </a:r>
-            <a:r>
-              <a:rPr lang="en-US" dirty="0" smtClean="0"/>
-              <a:t>Annotation – Server Side</a:t>
+              <a:t>A Custom Validation Data Annotation – Server Side</a:t>
             </a:r>
             <a:endParaRPr lang="en-US" dirty="0"/>
           </a:p>
@@ -16624,11 +16612,7 @@
             <a:pPr marL="171450" indent="-171450"/>
             <a:r>
               <a:rPr lang="en-US" dirty="0" smtClean="0"/>
-              <a:t>A </a:t>
-            </a:r>
-            <a:r>
-              <a:rPr lang="en-US" dirty="0" smtClean="0"/>
-              <a:t>custom model binder ensures that it identifies parameters in a request and passes all of them to the right parameters on the action</a:t>
+              <a:t>A custom model binder ensures that it identifies parameters in a request and passes all of them to the right parameters on the action</a:t>
             </a:r>
             <a:endParaRPr lang="en-US" dirty="0"/>
           </a:p>
@@ -16982,15 +16966,7 @@
                 <a:ea typeface="Times New Roman" panose="02020603050405020304" pitchFamily="18" charset="0"/>
                 <a:cs typeface="Lucida Sans Unicode" pitchFamily="34" charset="0"/>
               </a:rPr>
-              <a:t>      </a:t>
-            </a:r>
-            <a:r>
-              <a:rPr lang="en-US" b="0" dirty="0" smtClean="0">
-                <a:latin typeface="Lucida Sans Unicode" pitchFamily="34" charset="0"/>
-                <a:ea typeface="Times New Roman" panose="02020603050405020304" pitchFamily="18" charset="0"/>
-                <a:cs typeface="Lucida Sans Unicode" pitchFamily="34" charset="0"/>
-              </a:rPr>
-              <a:t>…</a:t>
+              <a:t>      …</a:t>
             </a:r>
             <a:endParaRPr lang="en-GB" b="0" dirty="0">
               <a:latin typeface="Lucida Sans Unicode" pitchFamily="34" charset="0"/>
@@ -17574,15 +17550,7 @@
             </a:pPr>
             <a:r>
               <a:rPr lang="en-US" dirty="0" smtClean="0"/>
-              <a:t>Create a new ASP.NET MVC </a:t>
-            </a:r>
-            <a:r>
-              <a:rPr lang="en-US" dirty="0" smtClean="0"/>
-              <a:t>Core </a:t>
-            </a:r>
-            <a:r>
-              <a:rPr lang="en-US" dirty="0" smtClean="0"/>
-              <a:t>web application.</a:t>
+              <a:t>Create a new ASP.NET MVC Core web application.</a:t>
             </a:r>
           </a:p>
           <a:p>
@@ -18308,24 +18276,7 @@
                 <a:ea typeface="Segoe UI" pitchFamily="34" charset="0"/>
                 <a:cs typeface="Segoe UI" pitchFamily="34" charset="0"/>
               </a:rPr>
-              <a:t>Entity Framework </a:t>
-            </a:r>
-            <a:r>
-              <a:rPr kumimoji="0" lang="en-US" sz="2800" b="0" i="0" u="none" strike="noStrike" kern="0" cap="none" spc="0" normalizeH="0" baseline="0" noProof="0" dirty="0" smtClean="0">
-                <a:ln>
-                  <a:noFill/>
-                </a:ln>
-                <a:solidFill>
-                  <a:schemeClr val="tx1"/>
-                </a:solidFill>
-                <a:effectLst/>
-                <a:uLnTx/>
-                <a:uFillTx/>
-                <a:latin typeface="Segoe UI" pitchFamily="34" charset="0"/>
-                <a:ea typeface="Segoe UI" pitchFamily="34" charset="0"/>
-                <a:cs typeface="Segoe UI" pitchFamily="34" charset="0"/>
-              </a:rPr>
-              <a:t>supports a wide range of databases by using different data providers </a:t>
+              <a:t>Entity Framework supports a wide range of databases by using different data providers </a:t>
             </a:r>
           </a:p>
           <a:p>
@@ -18509,24 +18460,7 @@
                 <a:ea typeface="Segoe UI" pitchFamily="34" charset="0"/>
                 <a:cs typeface="Segoe UI" pitchFamily="34" charset="0"/>
               </a:rPr>
-              <a:t>Add a reference to </a:t>
-            </a:r>
-            <a:r>
-              <a:rPr kumimoji="0" lang="en-US" sz="2400" b="0" i="0" u="none" strike="noStrike" kern="0" cap="none" spc="0" normalizeH="0" baseline="0" noProof="0" dirty="0" smtClean="0">
-                <a:ln>
-                  <a:noFill/>
-                </a:ln>
-                <a:solidFill>
-                  <a:schemeClr val="tx1"/>
-                </a:solidFill>
-                <a:effectLst/>
-                <a:uLnTx/>
-                <a:uFillTx/>
-                <a:latin typeface="Segoe UI" pitchFamily="34" charset="0"/>
-                <a:ea typeface="Segoe UI" pitchFamily="34" charset="0"/>
-                <a:cs typeface="Segoe UI" pitchFamily="34" charset="0"/>
-              </a:rPr>
-              <a:t>the </a:t>
+              <a:t>Add a reference to the </a:t>
             </a:r>
             <a:r>
               <a:rPr kumimoji="0" lang="en-US" sz="2400" b="0" i="0" u="none" strike="noStrike" kern="0" cap="none" spc="0" normalizeH="0" baseline="0" noProof="0" dirty="0" err="1" smtClean="0">
@@ -18739,11 +18673,7 @@
           <a:p>
             <a:r>
               <a:rPr lang="en-US" dirty="0" smtClean="0"/>
-              <a:t>Entity </a:t>
-            </a:r>
-            <a:r>
-              <a:rPr lang="en-US" dirty="0" smtClean="0"/>
-              <a:t>Framework</a:t>
+              <a:t>Entity Framework</a:t>
             </a:r>
             <a:endParaRPr lang="en-US" dirty="0"/>
           </a:p>
@@ -19081,47 +19011,36 @@
                 <a:latin typeface="Lucida Sans Unicode" pitchFamily="34" charset="0"/>
                 <a:cs typeface="Lucida Sans Unicode" pitchFamily="34" charset="0"/>
               </a:rPr>
-              <a:t>public </a:t>
+              <a:t>public class </a:t>
+            </a:r>
+            <a:r>
+              <a:rPr lang="en-US" sz="1800" dirty="0" err="1" smtClean="0">
+                <a:latin typeface="Lucida Sans Unicode" pitchFamily="34" charset="0"/>
+                <a:cs typeface="Lucida Sans Unicode" pitchFamily="34" charset="0"/>
+              </a:rPr>
+              <a:t>PhotoSharingDB</a:t>
             </a:r>
             <a:r>
               <a:rPr lang="en-US" sz="1800" dirty="0" smtClean="0">
                 <a:latin typeface="Lucida Sans Unicode" pitchFamily="34" charset="0"/>
                 <a:cs typeface="Lucida Sans Unicode" pitchFamily="34" charset="0"/>
               </a:rPr>
-              <a:t>class </a:t>
+              <a:t> : </a:t>
             </a:r>
             <a:r>
               <a:rPr lang="en-US" sz="1800" dirty="0" err="1" smtClean="0">
                 <a:latin typeface="Lucida Sans Unicode" pitchFamily="34" charset="0"/>
                 <a:cs typeface="Lucida Sans Unicode" pitchFamily="34" charset="0"/>
               </a:rPr>
-              <a:t>PhotoSharingDB</a:t>
+              <a:t>DbContext</a:t>
             </a:r>
             <a:r>
               <a:rPr lang="en-US" sz="1800" dirty="0" smtClean="0">
                 <a:latin typeface="Lucida Sans Unicode" pitchFamily="34" charset="0"/>
                 <a:cs typeface="Lucida Sans Unicode" pitchFamily="34" charset="0"/>
               </a:rPr>
-              <a:t> : </a:t>
-            </a:r>
-            <a:r>
-              <a:rPr lang="en-US" sz="1800" dirty="0" err="1" smtClean="0">
-                <a:latin typeface="Lucida Sans Unicode" pitchFamily="34" charset="0"/>
-                <a:cs typeface="Lucida Sans Unicode" pitchFamily="34" charset="0"/>
-              </a:rPr>
-              <a:t>DbContext</a:t>
-            </a:r>
-            <a:r>
-              <a:rPr lang="en-US" sz="1800" dirty="0" smtClean="0">
-                <a:latin typeface="Lucida Sans Unicode" pitchFamily="34" charset="0"/>
-                <a:cs typeface="Lucida Sans Unicode" pitchFamily="34" charset="0"/>
-              </a:rPr>
               <a:t> {</a:t>
             </a:r>
-            <a:endParaRPr lang="en-US" sz="1800" dirty="0" smtClean="0">
-              <a:latin typeface="Lucida Sans Unicode" pitchFamily="34" charset="0"/>
-              <a:cs typeface="Lucida Sans Unicode" pitchFamily="34" charset="0"/>
-            </a:endParaRPr>
           </a:p>
           <a:p>
             <a:pPr marL="741363" lvl="1" indent="-457200">
@@ -19172,14 +19091,7 @@
                 <a:latin typeface="Lucida Sans Unicode" pitchFamily="34" charset="0"/>
                 <a:cs typeface="Lucida Sans Unicode" pitchFamily="34" charset="0"/>
               </a:rPr>
-              <a:t>&lt;Comment&gt; Comments { get; set; </a:t>
-            </a:r>
-            <a:r>
-              <a:rPr lang="en-US" sz="1800" dirty="0" smtClean="0">
-                <a:latin typeface="Lucida Sans Unicode" pitchFamily="34" charset="0"/>
-                <a:cs typeface="Lucida Sans Unicode" pitchFamily="34" charset="0"/>
-              </a:rPr>
-              <a:t>}</a:t>
+              <a:t>&lt;Comment&gt; Comments { get; set; }</a:t>
             </a:r>
           </a:p>
           <a:p>
@@ -22239,11 +22151,7 @@
             </a:pPr>
             <a:r>
               <a:rPr lang="en-US" dirty="0" smtClean="0"/>
-              <a:t>Install </a:t>
-            </a:r>
-            <a:r>
-              <a:rPr lang="en-US" dirty="0" smtClean="0"/>
-              <a:t>Entity Framework in your project.</a:t>
+              <a:t>Install Entity Framework in your project.</a:t>
             </a:r>
           </a:p>
           <a:p>
@@ -22264,11 +22172,7 @@
             </a:pPr>
             <a:r>
               <a:rPr lang="en-US" dirty="0" smtClean="0"/>
-              <a:t>Add </a:t>
-            </a:r>
-            <a:r>
-              <a:rPr lang="en-US" dirty="0" smtClean="0"/>
-              <a:t>an Entity Framework context to the model.</a:t>
+              <a:t>Add an Entity Framework context to the model.</a:t>
             </a:r>
           </a:p>
           <a:p>
@@ -22278,15 +22182,7 @@
             </a:pPr>
             <a:r>
               <a:rPr lang="en-US" dirty="0" smtClean="0"/>
-              <a:t>Build </a:t>
-            </a:r>
-            <a:r>
-              <a:rPr lang="en-US" dirty="0" smtClean="0"/>
-              <a:t>the web application</a:t>
-            </a:r>
-            <a:r>
-              <a:rPr lang="en-US" dirty="0" smtClean="0"/>
-              <a:t>.</a:t>
+              <a:t>Build the web application.</a:t>
             </a:r>
           </a:p>
           <a:p>
@@ -22304,7 +22200,6 @@
               <a:rPr lang="en-US" dirty="0"/>
               <a:t>https://docs.efproject.net/en/latest/platforms/aspnetcore/new-db.html</a:t>
             </a:r>
-            <a:endParaRPr lang="en-US" dirty="0"/>
           </a:p>
         </p:txBody>
       </p:sp>
@@ -23455,15 +23350,7 @@
           <a:p>
             <a:r>
               <a:rPr lang="en-US" dirty="0" smtClean="0"/>
-              <a:t>Lab: Developing ASP.NET MVC </a:t>
-            </a:r>
-            <a:r>
-              <a:rPr lang="en-US" dirty="0" smtClean="0"/>
-              <a:t>Core </a:t>
-            </a:r>
-            <a:r>
-              <a:rPr lang="en-US" dirty="0" smtClean="0"/>
-              <a:t>Models</a:t>
+              <a:t>Lab: Developing ASP.NET MVC Core Models</a:t>
             </a:r>
             <a:endParaRPr lang="en-US" dirty="0"/>
           </a:p>
@@ -23489,7 +23376,15 @@
               <a:t>Exercise 1: Creating an MVC Project and Adding a Model
 Exercise 2: Adding Properties to MVC Models
 Exercise 3: Using Data Annotations in MVC Models
-Exercise 4: Creating a New Windows Azure SQL Database
+Exercise 4: Creating a New </a:t>
+            </a:r>
+            <a:r>
+              <a:rPr lang="en-US" sz="2400" dirty="0" smtClean="0"/>
+              <a:t>SQL </a:t>
+            </a:r>
+            <a:r>
+              <a:rPr lang="en-US" sz="2400" dirty="0" smtClean="0"/>
+              <a:t>Database
 Exercise 5: Testing the Model and Database</a:t>
             </a:r>
             <a:endParaRPr lang="en-US" sz="2400" dirty="0"/>
@@ -24504,17 +24399,7 @@
                 <a:latin typeface="Lucida Sans Unicode" pitchFamily="34" charset="0"/>
                 <a:cs typeface="Lucida Sans Unicode" pitchFamily="34" charset="0"/>
               </a:rPr>
-              <a:t>   public </a:t>
-            </a:r>
-            <a:r>
-              <a:rPr lang="en-GB" b="0" dirty="0" smtClean="0">
-                <a:highlight>
-                  <a:srgbClr val="FFFFFF"/>
-                </a:highlight>
-                <a:latin typeface="Lucida Sans Unicode" pitchFamily="34" charset="0"/>
-                <a:cs typeface="Lucida Sans Unicode" pitchFamily="34" charset="0"/>
-              </a:rPr>
-              <a:t>List&lt;Comment</a:t>
+              <a:t>   public List&lt;Comment</a:t>
             </a:r>
             <a:r>
               <a:rPr lang="en-GB" b="0" dirty="0">
@@ -26225,17 +26110,7 @@
                 <a:latin typeface="Lucida Sans Unicode" pitchFamily="34" charset="0"/>
                 <a:cs typeface="Lucida Sans Unicode" pitchFamily="34" charset="0"/>
               </a:rPr>
-              <a:t>   public </a:t>
-            </a:r>
-            <a:r>
-              <a:rPr lang="en-GB" sz="2000" b="0" dirty="0" smtClean="0">
-                <a:highlight>
-                  <a:srgbClr val="FFFFFF"/>
-                </a:highlight>
-                <a:latin typeface="Lucida Sans Unicode" pitchFamily="34" charset="0"/>
-                <a:cs typeface="Lucida Sans Unicode" pitchFamily="34" charset="0"/>
-              </a:rPr>
-              <a:t>List&lt;Comment</a:t>
+              <a:t>   public List&lt;Comment</a:t>
             </a:r>
             <a:r>
               <a:rPr lang="en-GB" sz="2000" b="0" dirty="0">
@@ -26897,17 +26772,7 @@
                 <a:latin typeface="Lucida Sans Unicode" pitchFamily="34" charset="0"/>
                 <a:cs typeface="Lucida Sans Unicode" pitchFamily="34" charset="0"/>
               </a:rPr>
-              <a:t>  </a:t>
-            </a:r>
-            <a:r>
-              <a:rPr lang="en-GB" sz="2000" b="0" dirty="0" smtClean="0">
-                <a:highlight>
-                  <a:srgbClr val="FFFFFF"/>
-                </a:highlight>
-                <a:latin typeface="Lucida Sans Unicode" pitchFamily="34" charset="0"/>
-                <a:cs typeface="Lucida Sans Unicode" pitchFamily="34" charset="0"/>
-              </a:rPr>
-              <a:t>[</a:t>
+              <a:t>  [</a:t>
             </a:r>
             <a:r>
               <a:rPr lang="en-GB" sz="2000" b="0" dirty="0" err="1" smtClean="0">
